--- a/Net_Prog_01.pptx
+++ b/Net_Prog_01.pptx
@@ -11354,7 +11354,7 @@
           <a:p>
             <a:fld id="{DF2F0588-95C8-42FF-BA45-C5BE5BB8477C}" type="datetimeFigureOut">
               <a:rPr lang="en-US" smtClean="0"/>
-              <a:t>3/3/2022</a:t>
+              <a:t>10/20/2022</a:t>
             </a:fld>
             <a:endParaRPr lang="en-US"/>
           </a:p>
@@ -11552,7 +11552,7 @@
           <a:p>
             <a:fld id="{DF2F0588-95C8-42FF-BA45-C5BE5BB8477C}" type="datetimeFigureOut">
               <a:rPr lang="en-US" smtClean="0"/>
-              <a:t>3/3/2022</a:t>
+              <a:t>10/20/2022</a:t>
             </a:fld>
             <a:endParaRPr lang="en-US"/>
           </a:p>
@@ -11760,7 +11760,7 @@
           <a:p>
             <a:fld id="{DF2F0588-95C8-42FF-BA45-C5BE5BB8477C}" type="datetimeFigureOut">
               <a:rPr lang="en-US" smtClean="0"/>
-              <a:t>3/3/2022</a:t>
+              <a:t>10/20/2022</a:t>
             </a:fld>
             <a:endParaRPr lang="en-US"/>
           </a:p>
@@ -11958,7 +11958,7 @@
           <a:p>
             <a:fld id="{DF2F0588-95C8-42FF-BA45-C5BE5BB8477C}" type="datetimeFigureOut">
               <a:rPr lang="en-US" smtClean="0"/>
-              <a:t>3/3/2022</a:t>
+              <a:t>10/20/2022</a:t>
             </a:fld>
             <a:endParaRPr lang="en-US"/>
           </a:p>
@@ -12233,7 +12233,7 @@
           <a:p>
             <a:fld id="{DF2F0588-95C8-42FF-BA45-C5BE5BB8477C}" type="datetimeFigureOut">
               <a:rPr lang="en-US" smtClean="0"/>
-              <a:t>3/3/2022</a:t>
+              <a:t>10/20/2022</a:t>
             </a:fld>
             <a:endParaRPr lang="en-US"/>
           </a:p>
@@ -12498,7 +12498,7 @@
           <a:p>
             <a:fld id="{DF2F0588-95C8-42FF-BA45-C5BE5BB8477C}" type="datetimeFigureOut">
               <a:rPr lang="en-US" smtClean="0"/>
-              <a:t>3/3/2022</a:t>
+              <a:t>10/20/2022</a:t>
             </a:fld>
             <a:endParaRPr lang="en-US"/>
           </a:p>
@@ -12910,7 +12910,7 @@
           <a:p>
             <a:fld id="{DF2F0588-95C8-42FF-BA45-C5BE5BB8477C}" type="datetimeFigureOut">
               <a:rPr lang="en-US" smtClean="0"/>
-              <a:t>3/3/2022</a:t>
+              <a:t>10/20/2022</a:t>
             </a:fld>
             <a:endParaRPr lang="en-US"/>
           </a:p>
@@ -13051,7 +13051,7 @@
           <a:p>
             <a:fld id="{DF2F0588-95C8-42FF-BA45-C5BE5BB8477C}" type="datetimeFigureOut">
               <a:rPr lang="en-US" smtClean="0"/>
-              <a:t>3/3/2022</a:t>
+              <a:t>10/20/2022</a:t>
             </a:fld>
             <a:endParaRPr lang="en-US"/>
           </a:p>
@@ -13164,7 +13164,7 @@
           <a:p>
             <a:fld id="{DF2F0588-95C8-42FF-BA45-C5BE5BB8477C}" type="datetimeFigureOut">
               <a:rPr lang="en-US" smtClean="0"/>
-              <a:t>3/3/2022</a:t>
+              <a:t>10/20/2022</a:t>
             </a:fld>
             <a:endParaRPr lang="en-US"/>
           </a:p>
@@ -13475,7 +13475,7 @@
           <a:p>
             <a:fld id="{DF2F0588-95C8-42FF-BA45-C5BE5BB8477C}" type="datetimeFigureOut">
               <a:rPr lang="en-US" smtClean="0"/>
-              <a:t>3/3/2022</a:t>
+              <a:t>10/20/2022</a:t>
             </a:fld>
             <a:endParaRPr lang="en-US"/>
           </a:p>
@@ -13766,7 +13766,7 @@
           <a:p>
             <a:fld id="{DF2F0588-95C8-42FF-BA45-C5BE5BB8477C}" type="datetimeFigureOut">
               <a:rPr lang="en-US" smtClean="0"/>
-              <a:t>3/3/2022</a:t>
+              <a:t>10/20/2022</a:t>
             </a:fld>
             <a:endParaRPr lang="en-US"/>
           </a:p>
@@ -14009,7 +14009,7 @@
           <a:p>
             <a:fld id="{DF2F0588-95C8-42FF-BA45-C5BE5BB8477C}" type="datetimeFigureOut">
               <a:rPr lang="en-US" smtClean="0"/>
-              <a:t>3/3/2022</a:t>
+              <a:t>10/20/2022</a:t>
             </a:fld>
             <a:endParaRPr lang="en-US"/>
           </a:p>
@@ -17757,7 +17757,15 @@
                   <a:schemeClr val="accent2"/>
                 </a:solidFill>
               </a:rPr>
-              <a:t> exceeds the maximum value allowed by a long value. Some versions do not report this as an exception</a:t>
+              <a:t> exceeds the maximum value allowed by a long value</a:t>
+            </a:r>
+            <a:r>
+              <a:rPr lang="en-GB">
+                <a:solidFill>
+                  <a:schemeClr val="accent2"/>
+                </a:solidFill>
+              </a:rPr>
+              <a:t>. </a:t>
             </a:r>
             <a:endParaRPr lang="en-US" dirty="0">
               <a:solidFill>
@@ -26037,19 +26045,7 @@
                       <a:rPr lang="en-GB" i="1" dirty="0" smtClean="0">
                         <a:latin typeface="Cambria Math" panose="02040503050406030204" pitchFamily="18" charset="0"/>
                       </a:rPr>
-                      <m:t>𝑡</m:t>
-                    </m:r>
-                    <m:r>
-                      <a:rPr lang="en-GB" i="1" dirty="0" smtClean="0">
-                        <a:latin typeface="Cambria Math" panose="02040503050406030204" pitchFamily="18" charset="0"/>
-                      </a:rPr>
-                      <m:t>h</m:t>
-                    </m:r>
-                    <m:r>
-                      <a:rPr lang="en-GB" i="1" dirty="0" smtClean="0">
-                        <a:latin typeface="Cambria Math" panose="02040503050406030204" pitchFamily="18" charset="0"/>
-                      </a:rPr>
-                      <m:t>𝑟𝑒𝑎𝑑</m:t>
+                      <m:t>𝑡h𝑟𝑒𝑎𝑑</m:t>
                     </m:r>
                   </m:oMath>
                 </a14:m>
@@ -26472,19 +26468,7 @@
                       <a:rPr lang="en-GB" i="1" dirty="0" smtClean="0">
                         <a:latin typeface="Cambria Math" panose="02040503050406030204" pitchFamily="18" charset="0"/>
                       </a:rPr>
-                      <m:t>𝑇</m:t>
-                    </m:r>
-                    <m:r>
-                      <a:rPr lang="en-GB" i="1" dirty="0" smtClean="0">
-                        <a:latin typeface="Cambria Math" panose="02040503050406030204" pitchFamily="18" charset="0"/>
-                      </a:rPr>
-                      <m:t>h</m:t>
-                    </m:r>
-                    <m:r>
-                      <a:rPr lang="en-GB" i="1" dirty="0" smtClean="0">
-                        <a:latin typeface="Cambria Math" panose="02040503050406030204" pitchFamily="18" charset="0"/>
-                      </a:rPr>
-                      <m:t>𝑟𝑒𝑎𝑑</m:t>
+                      <m:t>𝑇h𝑟𝑒𝑎𝑑</m:t>
                     </m:r>
                   </m:oMath>
                 </a14:m>
@@ -30563,19 +30547,7 @@
                       <a:rPr lang="en-GB" i="1" dirty="0" smtClean="0">
                         <a:latin typeface="Cambria Math" panose="02040503050406030204" pitchFamily="18" charset="0"/>
                       </a:rPr>
-                      <m:t>𝑡</m:t>
-                    </m:r>
-                    <m:r>
-                      <a:rPr lang="en-GB" i="1" dirty="0" smtClean="0">
-                        <a:latin typeface="Cambria Math" panose="02040503050406030204" pitchFamily="18" charset="0"/>
-                      </a:rPr>
-                      <m:t>h</m:t>
-                    </m:r>
-                    <m:r>
-                      <a:rPr lang="en-GB" i="1" dirty="0" smtClean="0">
-                        <a:latin typeface="Cambria Math" panose="02040503050406030204" pitchFamily="18" charset="0"/>
-                      </a:rPr>
-                      <m:t>𝑟𝑒𝑎𝑑</m:t>
+                      <m:t>𝑡h𝑟𝑒𝑎𝑑</m:t>
                     </m:r>
                     <m:r>
                       <a:rPr lang="en-GB" i="1" dirty="0" smtClean="0">
